--- a/G2M_Case_Study_V1.0.pptx
+++ b/G2M_Case_Study_V1.0.pptx
@@ -3820,13 +3820,18 @@
           </a:p>
           <a:p>
             <a:r>
-              <a:rPr lang="en-US" sz="2500" dirty="0">
+              <a:rPr lang="en-US" sz="2500">
                 <a:solidFill>
                   <a:srgbClr val="FF6600"/>
                 </a:solidFill>
               </a:rPr>
-              <a:t>20-Jan-2021</a:t>
-            </a:r>
+              <a:t>17-June-2021</a:t>
+            </a:r>
+            <a:endParaRPr lang="en-US" sz="2500" dirty="0">
+              <a:solidFill>
+                <a:srgbClr val="FF6600"/>
+              </a:solidFill>
+            </a:endParaRPr>
           </a:p>
         </p:txBody>
       </p:sp>
